--- a/_temp/documents/user cases.pptx
+++ b/_temp/documents/user cases.pptx
@@ -10508,7 +10508,18 @@
             <a:pPr algn="ctr"/>
             <a:r>
               <a:rPr lang="en-US" sz="1400" dirty="0" smtClean="0"/>
-              <a:t>Nothing happens</a:t>
+              <a:t>“the reminders are not reset”</a:t>
+            </a:r>
+          </a:p>
+          <a:p>
+            <a:pPr algn="ctr"/>
+            <a:r>
+              <a:rPr lang="en-US" sz="1400" dirty="0" smtClean="0"/>
+              <a:t>Nothing </a:t>
+            </a:r>
+            <a:r>
+              <a:rPr lang="en-US" sz="1400" dirty="0" smtClean="0"/>
+              <a:t>happens</a:t>
             </a:r>
             <a:endParaRPr lang="en-GB" sz="1400" dirty="0"/>
           </a:p>

--- a/_temp/documents/user cases.pptx
+++ b/_temp/documents/user cases.pptx
@@ -10515,11 +10515,7 @@
             <a:pPr algn="ctr"/>
             <a:r>
               <a:rPr lang="en-US" sz="1400" dirty="0" smtClean="0"/>
-              <a:t>Nothing </a:t>
-            </a:r>
-            <a:r>
-              <a:rPr lang="en-US" sz="1400" dirty="0" smtClean="0"/>
-              <a:t>happens</a:t>
+              <a:t>Nothing happens</a:t>
             </a:r>
             <a:endParaRPr lang="en-GB" sz="1400" dirty="0"/>
           </a:p>
@@ -11023,7 +11019,7 @@
         </p:nvSpPr>
         <p:spPr>
           <a:xfrm>
-            <a:off x="2895382" y="3645024"/>
+            <a:off x="2895382" y="3798278"/>
             <a:ext cx="492706" cy="307777"/>
           </a:xfrm>
           <a:prstGeom prst="rect">
@@ -11055,9 +11051,9 @@
           <p:nvPr/>
         </p:nvCxnSpPr>
         <p:spPr>
-          <a:xfrm flipV="1">
-            <a:off x="2807804" y="4061813"/>
-            <a:ext cx="667863" cy="97639"/>
+          <a:xfrm>
+            <a:off x="2807804" y="4159452"/>
+            <a:ext cx="667863" cy="0"/>
           </a:xfrm>
           <a:prstGeom prst="straightConnector1">
             <a:avLst/>
@@ -11089,7 +11085,7 @@
         </p:nvSpPr>
         <p:spPr>
           <a:xfrm>
-            <a:off x="3475667" y="3630584"/>
+            <a:off x="3475667" y="3728223"/>
             <a:ext cx="1872208" cy="862458"/>
           </a:xfrm>
           <a:prstGeom prst="flowChartProcess">
